--- a/UI.pptx
+++ b/UI.pptx
@@ -7,6 +7,8 @@
   <p:sldIdLst>
     <p:sldId id="256" r:id="rId2"/>
     <p:sldId id="257" r:id="rId3"/>
+    <p:sldId id="258" r:id="rId4"/>
+    <p:sldId id="259" r:id="rId5"/>
   </p:sldIdLst>
   <p:sldSz cx="12192000" cy="6858000"/>
   <p:notesSz cx="6858000" cy="9144000"/>
@@ -244,7 +246,7 @@
           <a:p>
             <a:fld id="{B796DD1A-A33B-4F62-8DBF-F08FE9C2322F}" type="datetimeFigureOut">
               <a:rPr lang="ko-KR" altLang="en-US" smtClean="0"/>
-              <a:t>2023-05-13</a:t>
+              <a:t>2023-06-11</a:t>
             </a:fld>
             <a:endParaRPr lang="ko-KR" altLang="en-US"/>
           </a:p>
@@ -414,7 +416,7 @@
           <a:p>
             <a:fld id="{B796DD1A-A33B-4F62-8DBF-F08FE9C2322F}" type="datetimeFigureOut">
               <a:rPr lang="ko-KR" altLang="en-US" smtClean="0"/>
-              <a:t>2023-05-13</a:t>
+              <a:t>2023-06-11</a:t>
             </a:fld>
             <a:endParaRPr lang="ko-KR" altLang="en-US"/>
           </a:p>
@@ -594,7 +596,7 @@
           <a:p>
             <a:fld id="{B796DD1A-A33B-4F62-8DBF-F08FE9C2322F}" type="datetimeFigureOut">
               <a:rPr lang="ko-KR" altLang="en-US" smtClean="0"/>
-              <a:t>2023-05-13</a:t>
+              <a:t>2023-06-11</a:t>
             </a:fld>
             <a:endParaRPr lang="ko-KR" altLang="en-US"/>
           </a:p>
@@ -764,7 +766,7 @@
           <a:p>
             <a:fld id="{B796DD1A-A33B-4F62-8DBF-F08FE9C2322F}" type="datetimeFigureOut">
               <a:rPr lang="ko-KR" altLang="en-US" smtClean="0"/>
-              <a:t>2023-05-13</a:t>
+              <a:t>2023-06-11</a:t>
             </a:fld>
             <a:endParaRPr lang="ko-KR" altLang="en-US"/>
           </a:p>
@@ -1010,7 +1012,7 @@
           <a:p>
             <a:fld id="{B796DD1A-A33B-4F62-8DBF-F08FE9C2322F}" type="datetimeFigureOut">
               <a:rPr lang="ko-KR" altLang="en-US" smtClean="0"/>
-              <a:t>2023-05-13</a:t>
+              <a:t>2023-06-11</a:t>
             </a:fld>
             <a:endParaRPr lang="ko-KR" altLang="en-US"/>
           </a:p>
@@ -1242,7 +1244,7 @@
           <a:p>
             <a:fld id="{B796DD1A-A33B-4F62-8DBF-F08FE9C2322F}" type="datetimeFigureOut">
               <a:rPr lang="ko-KR" altLang="en-US" smtClean="0"/>
-              <a:t>2023-05-13</a:t>
+              <a:t>2023-06-11</a:t>
             </a:fld>
             <a:endParaRPr lang="ko-KR" altLang="en-US"/>
           </a:p>
@@ -1609,7 +1611,7 @@
           <a:p>
             <a:fld id="{B796DD1A-A33B-4F62-8DBF-F08FE9C2322F}" type="datetimeFigureOut">
               <a:rPr lang="ko-KR" altLang="en-US" smtClean="0"/>
-              <a:t>2023-05-13</a:t>
+              <a:t>2023-06-11</a:t>
             </a:fld>
             <a:endParaRPr lang="ko-KR" altLang="en-US"/>
           </a:p>
@@ -1727,7 +1729,7 @@
           <a:p>
             <a:fld id="{B796DD1A-A33B-4F62-8DBF-F08FE9C2322F}" type="datetimeFigureOut">
               <a:rPr lang="ko-KR" altLang="en-US" smtClean="0"/>
-              <a:t>2023-05-13</a:t>
+              <a:t>2023-06-11</a:t>
             </a:fld>
             <a:endParaRPr lang="ko-KR" altLang="en-US"/>
           </a:p>
@@ -1822,7 +1824,7 @@
           <a:p>
             <a:fld id="{B796DD1A-A33B-4F62-8DBF-F08FE9C2322F}" type="datetimeFigureOut">
               <a:rPr lang="ko-KR" altLang="en-US" smtClean="0"/>
-              <a:t>2023-05-13</a:t>
+              <a:t>2023-06-11</a:t>
             </a:fld>
             <a:endParaRPr lang="ko-KR" altLang="en-US"/>
           </a:p>
@@ -2099,7 +2101,7 @@
           <a:p>
             <a:fld id="{B796DD1A-A33B-4F62-8DBF-F08FE9C2322F}" type="datetimeFigureOut">
               <a:rPr lang="ko-KR" altLang="en-US" smtClean="0"/>
-              <a:t>2023-05-13</a:t>
+              <a:t>2023-06-11</a:t>
             </a:fld>
             <a:endParaRPr lang="ko-KR" altLang="en-US"/>
           </a:p>
@@ -2352,7 +2354,7 @@
           <a:p>
             <a:fld id="{B796DD1A-A33B-4F62-8DBF-F08FE9C2322F}" type="datetimeFigureOut">
               <a:rPr lang="ko-KR" altLang="en-US" smtClean="0"/>
-              <a:t>2023-05-13</a:t>
+              <a:t>2023-06-11</a:t>
             </a:fld>
             <a:endParaRPr lang="ko-KR" altLang="en-US"/>
           </a:p>
@@ -2565,7 +2567,7 @@
           <a:p>
             <a:fld id="{B796DD1A-A33B-4F62-8DBF-F08FE9C2322F}" type="datetimeFigureOut">
               <a:rPr lang="ko-KR" altLang="en-US" smtClean="0"/>
-              <a:t>2023-05-13</a:t>
+              <a:t>2023-06-11</a:t>
             </a:fld>
             <a:endParaRPr lang="ko-KR" altLang="en-US"/>
           </a:p>
@@ -4160,6 +4162,1039 @@
   <p:clrMapOvr>
     <a:masterClrMapping/>
   </p:clrMapOvr>
+  <p:timing>
+    <p:tnLst>
+      <p:par>
+        <p:cTn id="1" dur="indefinite" restart="never" nodeType="tmRoot"/>
+      </p:par>
+    </p:tnLst>
+  </p:timing>
+</p:sld>
+</file>
+
+<file path=ppt/slides/slide3.xml><?xml version="1.0" encoding="utf-8"?>
+<p:sld xmlns:a="http://schemas.openxmlformats.org/drawingml/2006/main" xmlns:r="http://schemas.openxmlformats.org/officeDocument/2006/relationships" xmlns:p="http://schemas.openxmlformats.org/presentationml/2006/main">
+  <p:cSld>
+    <p:spTree>
+      <p:nvGrpSpPr>
+        <p:cNvPr id="1" name=""/>
+        <p:cNvGrpSpPr/>
+        <p:nvPr/>
+      </p:nvGrpSpPr>
+      <p:grpSpPr>
+        <a:xfrm>
+          <a:off x="0" y="0"/>
+          <a:ext cx="0" cy="0"/>
+          <a:chOff x="0" y="0"/>
+          <a:chExt cx="0" cy="0"/>
+        </a:xfrm>
+      </p:grpSpPr>
+      <p:grpSp>
+        <p:nvGrpSpPr>
+          <p:cNvPr id="3" name="그룹 2"/>
+          <p:cNvGrpSpPr/>
+          <p:nvPr/>
+        </p:nvGrpSpPr>
+        <p:grpSpPr>
+          <a:xfrm>
+            <a:off x="-3039750" y="-1205560"/>
+            <a:ext cx="18271500" cy="9269119"/>
+            <a:chOff x="-3039750" y="-1205560"/>
+            <a:chExt cx="18271500" cy="9269119"/>
+          </a:xfrm>
+        </p:grpSpPr>
+        <p:pic>
+          <p:nvPicPr>
+            <p:cNvPr id="2" name="그림 1"/>
+            <p:cNvPicPr>
+              <a:picLocks noChangeAspect="1"/>
+            </p:cNvPicPr>
+            <p:nvPr/>
+          </p:nvPicPr>
+          <p:blipFill>
+            <a:blip r:embed="rId2"/>
+            <a:stretch>
+              <a:fillRect/>
+            </a:stretch>
+          </p:blipFill>
+          <p:spPr>
+            <a:xfrm>
+              <a:off x="-3039750" y="-1205560"/>
+              <a:ext cx="18271500" cy="9269119"/>
+            </a:xfrm>
+            <a:prstGeom prst="rect">
+              <a:avLst/>
+            </a:prstGeom>
+          </p:spPr>
+        </p:pic>
+        <p:sp>
+          <p:nvSpPr>
+            <p:cNvPr id="5" name="직사각형 4"/>
+            <p:cNvSpPr/>
+            <p:nvPr/>
+          </p:nvSpPr>
+          <p:spPr>
+            <a:xfrm>
+              <a:off x="11550650" y="194805"/>
+              <a:ext cx="3653318" cy="4656595"/>
+            </a:xfrm>
+            <a:prstGeom prst="rect">
+              <a:avLst/>
+            </a:prstGeom>
+            <a:noFill/>
+            <a:ln w="57150">
+              <a:solidFill>
+                <a:srgbClr val="00B050"/>
+              </a:solidFill>
+            </a:ln>
+          </p:spPr>
+          <p:style>
+            <a:lnRef idx="2">
+              <a:schemeClr val="accent1">
+                <a:shade val="50000"/>
+              </a:schemeClr>
+            </a:lnRef>
+            <a:fillRef idx="1">
+              <a:schemeClr val="accent1"/>
+            </a:fillRef>
+            <a:effectRef idx="0">
+              <a:schemeClr val="accent1"/>
+            </a:effectRef>
+            <a:fontRef idx="minor">
+              <a:schemeClr val="lt1"/>
+            </a:fontRef>
+          </p:style>
+          <p:txBody>
+            <a:bodyPr rtlCol="0" anchor="ctr"/>
+            <a:lstStyle/>
+            <a:p>
+              <a:pPr algn="ctr"/>
+              <a:endParaRPr lang="ko-KR" altLang="en-US"/>
+            </a:p>
+          </p:txBody>
+        </p:sp>
+        <p:sp>
+          <p:nvSpPr>
+            <p:cNvPr id="6" name="직사각형 5"/>
+            <p:cNvSpPr/>
+            <p:nvPr/>
+          </p:nvSpPr>
+          <p:spPr>
+            <a:xfrm>
+              <a:off x="5067300" y="-419100"/>
+              <a:ext cx="546100" cy="476614"/>
+            </a:xfrm>
+            <a:prstGeom prst="rect">
+              <a:avLst/>
+            </a:prstGeom>
+            <a:noFill/>
+            <a:ln w="57150">
+              <a:solidFill>
+                <a:srgbClr val="FFC000"/>
+              </a:solidFill>
+            </a:ln>
+          </p:spPr>
+          <p:style>
+            <a:lnRef idx="2">
+              <a:schemeClr val="accent1">
+                <a:shade val="50000"/>
+              </a:schemeClr>
+            </a:lnRef>
+            <a:fillRef idx="1">
+              <a:schemeClr val="accent1"/>
+            </a:fillRef>
+            <a:effectRef idx="0">
+              <a:schemeClr val="accent1"/>
+            </a:effectRef>
+            <a:fontRef idx="minor">
+              <a:schemeClr val="lt1"/>
+            </a:fontRef>
+          </p:style>
+          <p:txBody>
+            <a:bodyPr rtlCol="0" anchor="ctr"/>
+            <a:lstStyle/>
+            <a:p>
+              <a:pPr algn="ctr"/>
+              <a:endParaRPr lang="ko-KR" altLang="en-US"/>
+            </a:p>
+          </p:txBody>
+        </p:sp>
+        <p:sp>
+          <p:nvSpPr>
+            <p:cNvPr id="9" name="직사각형 8"/>
+            <p:cNvSpPr/>
+            <p:nvPr/>
+          </p:nvSpPr>
+          <p:spPr>
+            <a:xfrm>
+              <a:off x="-2933700" y="54157"/>
+              <a:ext cx="3416300" cy="7883343"/>
+            </a:xfrm>
+            <a:prstGeom prst="rect">
+              <a:avLst/>
+            </a:prstGeom>
+            <a:noFill/>
+            <a:ln w="57150">
+              <a:solidFill>
+                <a:srgbClr val="FF0000"/>
+              </a:solidFill>
+            </a:ln>
+          </p:spPr>
+          <p:style>
+            <a:lnRef idx="2">
+              <a:schemeClr val="accent1">
+                <a:shade val="50000"/>
+              </a:schemeClr>
+            </a:lnRef>
+            <a:fillRef idx="1">
+              <a:schemeClr val="accent1"/>
+            </a:fillRef>
+            <a:effectRef idx="0">
+              <a:schemeClr val="accent1"/>
+            </a:effectRef>
+            <a:fontRef idx="minor">
+              <a:schemeClr val="lt1"/>
+            </a:fontRef>
+          </p:style>
+          <p:txBody>
+            <a:bodyPr rtlCol="0" anchor="ctr"/>
+            <a:lstStyle/>
+            <a:p>
+              <a:pPr algn="ctr"/>
+              <a:endParaRPr lang="ko-KR" altLang="en-US"/>
+            </a:p>
+          </p:txBody>
+        </p:sp>
+        <p:sp>
+          <p:nvSpPr>
+            <p:cNvPr id="10" name="직사각형 9"/>
+            <p:cNvSpPr/>
+            <p:nvPr/>
+          </p:nvSpPr>
+          <p:spPr>
+            <a:xfrm>
+              <a:off x="-2781300" y="711200"/>
+              <a:ext cx="3136900" cy="3175000"/>
+            </a:xfrm>
+            <a:prstGeom prst="rect">
+              <a:avLst/>
+            </a:prstGeom>
+            <a:noFill/>
+            <a:ln w="57150">
+              <a:solidFill>
+                <a:schemeClr val="accent2"/>
+              </a:solidFill>
+            </a:ln>
+          </p:spPr>
+          <p:style>
+            <a:lnRef idx="2">
+              <a:schemeClr val="accent1">
+                <a:shade val="50000"/>
+              </a:schemeClr>
+            </a:lnRef>
+            <a:fillRef idx="1">
+              <a:schemeClr val="accent1"/>
+            </a:fillRef>
+            <a:effectRef idx="0">
+              <a:schemeClr val="accent1"/>
+            </a:effectRef>
+            <a:fontRef idx="minor">
+              <a:schemeClr val="lt1"/>
+            </a:fontRef>
+          </p:style>
+          <p:txBody>
+            <a:bodyPr rtlCol="0" anchor="ctr"/>
+            <a:lstStyle/>
+            <a:p>
+              <a:pPr algn="ctr"/>
+              <a:endParaRPr lang="ko-KR" altLang="en-US"/>
+            </a:p>
+          </p:txBody>
+        </p:sp>
+        <p:sp>
+          <p:nvSpPr>
+            <p:cNvPr id="11" name="직사각형 10"/>
+            <p:cNvSpPr/>
+            <p:nvPr/>
+          </p:nvSpPr>
+          <p:spPr>
+            <a:xfrm>
+              <a:off x="-2628900" y="3166835"/>
+              <a:ext cx="2832100" cy="389165"/>
+            </a:xfrm>
+            <a:prstGeom prst="rect">
+              <a:avLst/>
+            </a:prstGeom>
+            <a:noFill/>
+            <a:ln w="57150">
+              <a:solidFill>
+                <a:srgbClr val="FFFF00"/>
+              </a:solidFill>
+            </a:ln>
+          </p:spPr>
+          <p:style>
+            <a:lnRef idx="2">
+              <a:schemeClr val="accent1">
+                <a:shade val="50000"/>
+              </a:schemeClr>
+            </a:lnRef>
+            <a:fillRef idx="1">
+              <a:schemeClr val="accent1"/>
+            </a:fillRef>
+            <a:effectRef idx="0">
+              <a:schemeClr val="accent1"/>
+            </a:effectRef>
+            <a:fontRef idx="minor">
+              <a:schemeClr val="lt1"/>
+            </a:fontRef>
+          </p:style>
+          <p:txBody>
+            <a:bodyPr rtlCol="0" anchor="ctr"/>
+            <a:lstStyle/>
+            <a:p>
+              <a:pPr algn="ctr"/>
+              <a:endParaRPr lang="ko-KR" altLang="en-US"/>
+            </a:p>
+          </p:txBody>
+        </p:sp>
+        <p:grpSp>
+          <p:nvGrpSpPr>
+            <p:cNvPr id="24" name="그룹 23"/>
+            <p:cNvGrpSpPr/>
+            <p:nvPr/>
+          </p:nvGrpSpPr>
+          <p:grpSpPr>
+            <a:xfrm>
+              <a:off x="12334997" y="5030141"/>
+              <a:ext cx="2767389" cy="2920059"/>
+              <a:chOff x="12192000" y="54157"/>
+              <a:chExt cx="2912717" cy="3073404"/>
+            </a:xfrm>
+          </p:grpSpPr>
+          <p:sp>
+            <p:nvSpPr>
+              <p:cNvPr id="12" name="직사각형 11"/>
+              <p:cNvSpPr/>
+              <p:nvPr/>
+            </p:nvSpPr>
+            <p:spPr>
+              <a:xfrm>
+                <a:off x="12192000" y="54157"/>
+                <a:ext cx="450850" cy="469900"/>
+              </a:xfrm>
+              <a:prstGeom prst="rect">
+                <a:avLst/>
+              </a:prstGeom>
+              <a:solidFill>
+                <a:schemeClr val="bg1"/>
+              </a:solidFill>
+              <a:ln w="57150">
+                <a:solidFill>
+                  <a:srgbClr val="FF0000"/>
+                </a:solidFill>
+              </a:ln>
+            </p:spPr>
+            <p:style>
+              <a:lnRef idx="2">
+                <a:schemeClr val="accent1">
+                  <a:shade val="50000"/>
+                </a:schemeClr>
+              </a:lnRef>
+              <a:fillRef idx="1">
+                <a:schemeClr val="accent1"/>
+              </a:fillRef>
+              <a:effectRef idx="0">
+                <a:schemeClr val="accent1"/>
+              </a:effectRef>
+              <a:fontRef idx="minor">
+                <a:schemeClr val="lt1"/>
+              </a:fontRef>
+            </p:style>
+            <p:txBody>
+              <a:bodyPr rtlCol="0" anchor="ctr"/>
+              <a:lstStyle/>
+              <a:p>
+                <a:pPr algn="ctr"/>
+                <a:endParaRPr lang="ko-KR" altLang="en-US" sz="1600"/>
+              </a:p>
+            </p:txBody>
+          </p:sp>
+          <p:sp>
+            <p:nvSpPr>
+              <p:cNvPr id="13" name="직사각형 12"/>
+              <p:cNvSpPr/>
+              <p:nvPr/>
+            </p:nvSpPr>
+            <p:spPr>
+              <a:xfrm>
+                <a:off x="12192000" y="708208"/>
+                <a:ext cx="450850" cy="469900"/>
+              </a:xfrm>
+              <a:prstGeom prst="rect">
+                <a:avLst/>
+              </a:prstGeom>
+              <a:solidFill>
+                <a:schemeClr val="bg1"/>
+              </a:solidFill>
+              <a:ln w="57150">
+                <a:solidFill>
+                  <a:schemeClr val="accent2"/>
+                </a:solidFill>
+              </a:ln>
+            </p:spPr>
+            <p:style>
+              <a:lnRef idx="2">
+                <a:schemeClr val="accent1">
+                  <a:shade val="50000"/>
+                </a:schemeClr>
+              </a:lnRef>
+              <a:fillRef idx="1">
+                <a:schemeClr val="accent1"/>
+              </a:fillRef>
+              <a:effectRef idx="0">
+                <a:schemeClr val="accent1"/>
+              </a:effectRef>
+              <a:fontRef idx="minor">
+                <a:schemeClr val="lt1"/>
+              </a:fontRef>
+            </p:style>
+            <p:txBody>
+              <a:bodyPr rtlCol="0" anchor="ctr"/>
+              <a:lstStyle/>
+              <a:p>
+                <a:pPr algn="ctr"/>
+                <a:endParaRPr lang="ko-KR" altLang="en-US" sz="1600"/>
+              </a:p>
+            </p:txBody>
+          </p:sp>
+          <p:sp>
+            <p:nvSpPr>
+              <p:cNvPr id="14" name="직사각형 13"/>
+              <p:cNvSpPr/>
+              <p:nvPr/>
+            </p:nvSpPr>
+            <p:spPr>
+              <a:xfrm>
+                <a:off x="12192000" y="1362259"/>
+                <a:ext cx="450850" cy="469900"/>
+              </a:xfrm>
+              <a:prstGeom prst="rect">
+                <a:avLst/>
+              </a:prstGeom>
+              <a:solidFill>
+                <a:schemeClr val="bg1"/>
+              </a:solidFill>
+              <a:ln w="57150">
+                <a:solidFill>
+                  <a:srgbClr val="FFFF00"/>
+                </a:solidFill>
+              </a:ln>
+            </p:spPr>
+            <p:style>
+              <a:lnRef idx="2">
+                <a:schemeClr val="accent1">
+                  <a:shade val="50000"/>
+                </a:schemeClr>
+              </a:lnRef>
+              <a:fillRef idx="1">
+                <a:schemeClr val="accent1"/>
+              </a:fillRef>
+              <a:effectRef idx="0">
+                <a:schemeClr val="accent1"/>
+              </a:effectRef>
+              <a:fontRef idx="minor">
+                <a:schemeClr val="lt1"/>
+              </a:fontRef>
+            </p:style>
+            <p:txBody>
+              <a:bodyPr rtlCol="0" anchor="ctr"/>
+              <a:lstStyle/>
+              <a:p>
+                <a:pPr algn="ctr"/>
+                <a:endParaRPr lang="ko-KR" altLang="en-US" sz="1600"/>
+              </a:p>
+            </p:txBody>
+          </p:sp>
+          <p:sp>
+            <p:nvSpPr>
+              <p:cNvPr id="15" name="직사각형 14"/>
+              <p:cNvSpPr/>
+              <p:nvPr/>
+            </p:nvSpPr>
+            <p:spPr>
+              <a:xfrm>
+                <a:off x="12192000" y="2003610"/>
+                <a:ext cx="450850" cy="469900"/>
+              </a:xfrm>
+              <a:prstGeom prst="rect">
+                <a:avLst/>
+              </a:prstGeom>
+              <a:solidFill>
+                <a:schemeClr val="bg1"/>
+              </a:solidFill>
+              <a:ln w="57150">
+                <a:solidFill>
+                  <a:srgbClr val="FFC000"/>
+                </a:solidFill>
+              </a:ln>
+            </p:spPr>
+            <p:style>
+              <a:lnRef idx="2">
+                <a:schemeClr val="accent1">
+                  <a:shade val="50000"/>
+                </a:schemeClr>
+              </a:lnRef>
+              <a:fillRef idx="1">
+                <a:schemeClr val="accent1"/>
+              </a:fillRef>
+              <a:effectRef idx="0">
+                <a:schemeClr val="accent1"/>
+              </a:effectRef>
+              <a:fontRef idx="minor">
+                <a:schemeClr val="lt1"/>
+              </a:fontRef>
+            </p:style>
+            <p:txBody>
+              <a:bodyPr rtlCol="0" anchor="ctr"/>
+              <a:lstStyle/>
+              <a:p>
+                <a:pPr algn="ctr"/>
+                <a:endParaRPr lang="ko-KR" altLang="en-US" sz="1600"/>
+              </a:p>
+            </p:txBody>
+          </p:sp>
+          <p:sp>
+            <p:nvSpPr>
+              <p:cNvPr id="16" name="직사각형 15"/>
+              <p:cNvSpPr/>
+              <p:nvPr/>
+            </p:nvSpPr>
+            <p:spPr>
+              <a:xfrm>
+                <a:off x="12192000" y="2657661"/>
+                <a:ext cx="450850" cy="469900"/>
+              </a:xfrm>
+              <a:prstGeom prst="rect">
+                <a:avLst/>
+              </a:prstGeom>
+              <a:solidFill>
+                <a:schemeClr val="bg1"/>
+              </a:solidFill>
+              <a:ln w="57150">
+                <a:solidFill>
+                  <a:srgbClr val="00B050"/>
+                </a:solidFill>
+              </a:ln>
+            </p:spPr>
+            <p:style>
+              <a:lnRef idx="2">
+                <a:schemeClr val="accent1">
+                  <a:shade val="50000"/>
+                </a:schemeClr>
+              </a:lnRef>
+              <a:fillRef idx="1">
+                <a:schemeClr val="accent1"/>
+              </a:fillRef>
+              <a:effectRef idx="0">
+                <a:schemeClr val="accent1"/>
+              </a:effectRef>
+              <a:fontRef idx="minor">
+                <a:schemeClr val="lt1"/>
+              </a:fontRef>
+            </p:style>
+            <p:txBody>
+              <a:bodyPr rtlCol="0" anchor="ctr"/>
+              <a:lstStyle/>
+              <a:p>
+                <a:pPr algn="ctr"/>
+                <a:endParaRPr lang="ko-KR" altLang="en-US" sz="1600"/>
+              </a:p>
+            </p:txBody>
+          </p:sp>
+          <p:sp>
+            <p:nvSpPr>
+              <p:cNvPr id="18" name="TextBox 17"/>
+              <p:cNvSpPr txBox="1"/>
+              <p:nvPr/>
+            </p:nvSpPr>
+            <p:spPr>
+              <a:xfrm>
+                <a:off x="12779103" y="108780"/>
+                <a:ext cx="1633869" cy="356333"/>
+              </a:xfrm>
+              <a:prstGeom prst="rect">
+                <a:avLst/>
+              </a:prstGeom>
+              <a:noFill/>
+            </p:spPr>
+            <p:txBody>
+              <a:bodyPr wrap="none" rtlCol="0">
+                <a:spAutoFit/>
+              </a:bodyPr>
+              <a:lstStyle/>
+              <a:p>
+                <a:r>
+                  <a:rPr lang="en-US" altLang="ko-KR" sz="1600" dirty="0" err="1" smtClean="0"/>
+                  <a:t>Git</a:t>
+                </a:r>
+                <a:r>
+                  <a:rPr lang="en-US" altLang="ko-KR" sz="1600" dirty="0" smtClean="0"/>
+                  <a:t> Menu Area</a:t>
+                </a:r>
+                <a:endParaRPr lang="ko-KR" altLang="en-US" sz="1600" dirty="0"/>
+              </a:p>
+            </p:txBody>
+          </p:sp>
+          <p:sp>
+            <p:nvSpPr>
+              <p:cNvPr id="19" name="TextBox 18"/>
+              <p:cNvSpPr txBox="1"/>
+              <p:nvPr/>
+            </p:nvSpPr>
+            <p:spPr>
+              <a:xfrm>
+                <a:off x="12779103" y="758492"/>
+                <a:ext cx="1501932" cy="356333"/>
+              </a:xfrm>
+              <a:prstGeom prst="rect">
+                <a:avLst/>
+              </a:prstGeom>
+              <a:noFill/>
+            </p:spPr>
+            <p:txBody>
+              <a:bodyPr wrap="none" rtlCol="0">
+                <a:spAutoFit/>
+              </a:bodyPr>
+              <a:lstStyle/>
+              <a:p>
+                <a:r>
+                  <a:rPr lang="en-US" altLang="ko-KR" sz="1600" dirty="0" smtClean="0"/>
+                  <a:t>Branch Menu</a:t>
+                </a:r>
+                <a:endParaRPr lang="ko-KR" altLang="en-US" sz="1600" dirty="0"/>
+              </a:p>
+            </p:txBody>
+          </p:sp>
+          <p:sp>
+            <p:nvSpPr>
+              <p:cNvPr id="20" name="TextBox 19"/>
+              <p:cNvSpPr txBox="1"/>
+              <p:nvPr/>
+            </p:nvSpPr>
+            <p:spPr>
+              <a:xfrm>
+                <a:off x="12779103" y="1412543"/>
+                <a:ext cx="1556124" cy="356333"/>
+              </a:xfrm>
+              <a:prstGeom prst="rect">
+                <a:avLst/>
+              </a:prstGeom>
+              <a:noFill/>
+            </p:spPr>
+            <p:txBody>
+              <a:bodyPr wrap="none" rtlCol="0">
+                <a:spAutoFit/>
+              </a:bodyPr>
+              <a:lstStyle/>
+              <a:p>
+                <a:r>
+                  <a:rPr lang="en-US" altLang="ko-KR" sz="1600" dirty="0" smtClean="0"/>
+                  <a:t>Merge Button</a:t>
+                </a:r>
+                <a:endParaRPr lang="ko-KR" altLang="en-US" sz="1600" dirty="0"/>
+              </a:p>
+            </p:txBody>
+          </p:sp>
+          <p:sp>
+            <p:nvSpPr>
+              <p:cNvPr id="21" name="TextBox 20"/>
+              <p:cNvSpPr txBox="1"/>
+              <p:nvPr/>
+            </p:nvSpPr>
+            <p:spPr>
+              <a:xfrm>
+                <a:off x="12779103" y="2053894"/>
+                <a:ext cx="2325614" cy="356333"/>
+              </a:xfrm>
+              <a:prstGeom prst="rect">
+                <a:avLst/>
+              </a:prstGeom>
+              <a:noFill/>
+            </p:spPr>
+            <p:txBody>
+              <a:bodyPr wrap="none" rtlCol="0">
+                <a:spAutoFit/>
+              </a:bodyPr>
+              <a:lstStyle/>
+              <a:p>
+                <a:r>
+                  <a:rPr lang="en-US" altLang="ko-KR" sz="1600" dirty="0" smtClean="0"/>
+                  <a:t>Current Branch Name</a:t>
+                </a:r>
+                <a:endParaRPr lang="ko-KR" altLang="en-US" sz="1600" dirty="0"/>
+              </a:p>
+            </p:txBody>
+          </p:sp>
+          <p:sp>
+            <p:nvSpPr>
+              <p:cNvPr id="22" name="TextBox 21"/>
+              <p:cNvSpPr txBox="1"/>
+              <p:nvPr/>
+            </p:nvSpPr>
+            <p:spPr>
+              <a:xfrm>
+                <a:off x="12779103" y="2695100"/>
+                <a:ext cx="2213383" cy="356333"/>
+              </a:xfrm>
+              <a:prstGeom prst="rect">
+                <a:avLst/>
+              </a:prstGeom>
+              <a:noFill/>
+            </p:spPr>
+            <p:txBody>
+              <a:bodyPr wrap="none" rtlCol="0">
+                <a:spAutoFit/>
+              </a:bodyPr>
+              <a:lstStyle/>
+              <a:p>
+                <a:r>
+                  <a:rPr lang="en-US" altLang="ko-KR" sz="1600" dirty="0" err="1" smtClean="0"/>
+                  <a:t>Git</a:t>
+                </a:r>
+                <a:r>
+                  <a:rPr lang="en-US" altLang="ko-KR" sz="1600" dirty="0" smtClean="0"/>
+                  <a:t> History(log) Area</a:t>
+                </a:r>
+                <a:endParaRPr lang="ko-KR" altLang="en-US" sz="1600" dirty="0"/>
+              </a:p>
+            </p:txBody>
+          </p:sp>
+        </p:grpSp>
+      </p:grpSp>
+    </p:spTree>
+    <p:extLst>
+      <p:ext uri="{BB962C8B-B14F-4D97-AF65-F5344CB8AC3E}">
+        <p14:creationId xmlns:p14="http://schemas.microsoft.com/office/powerpoint/2010/main" val="1292680146"/>
+      </p:ext>
+    </p:extLst>
+  </p:cSld>
+  <p:clrMapOvr>
+    <a:masterClrMapping/>
+  </p:clrMapOvr>
+  <p:timing>
+    <p:tnLst>
+      <p:par>
+        <p:cTn id="1" dur="indefinite" restart="never" nodeType="tmRoot"/>
+      </p:par>
+    </p:tnLst>
+  </p:timing>
+</p:sld>
+</file>
+
+<file path=ppt/slides/slide4.xml><?xml version="1.0" encoding="utf-8"?>
+<p:sld xmlns:a="http://schemas.openxmlformats.org/drawingml/2006/main" xmlns:r="http://schemas.openxmlformats.org/officeDocument/2006/relationships" xmlns:p="http://schemas.openxmlformats.org/presentationml/2006/main">
+  <p:cSld>
+    <p:spTree>
+      <p:nvGrpSpPr>
+        <p:cNvPr id="1" name=""/>
+        <p:cNvGrpSpPr/>
+        <p:nvPr/>
+      </p:nvGrpSpPr>
+      <p:grpSpPr>
+        <a:xfrm>
+          <a:off x="0" y="0"/>
+          <a:ext cx="0" cy="0"/>
+          <a:chOff x="0" y="0"/>
+          <a:chExt cx="0" cy="0"/>
+        </a:xfrm>
+      </p:grpSpPr>
+      <p:grpSp>
+        <p:nvGrpSpPr>
+          <p:cNvPr id="7" name="그룹 6"/>
+          <p:cNvGrpSpPr/>
+          <p:nvPr/>
+        </p:nvGrpSpPr>
+        <p:grpSpPr>
+          <a:xfrm>
+            <a:off x="-3039750" y="-1224612"/>
+            <a:ext cx="18271500" cy="9307224"/>
+            <a:chOff x="-3039750" y="-1224612"/>
+            <a:chExt cx="18271500" cy="9307224"/>
+          </a:xfrm>
+        </p:grpSpPr>
+        <p:pic>
+          <p:nvPicPr>
+            <p:cNvPr id="4" name="그림 3"/>
+            <p:cNvPicPr>
+              <a:picLocks noChangeAspect="1"/>
+            </p:cNvPicPr>
+            <p:nvPr/>
+          </p:nvPicPr>
+          <p:blipFill>
+            <a:blip r:embed="rId2"/>
+            <a:stretch>
+              <a:fillRect/>
+            </a:stretch>
+          </p:blipFill>
+          <p:spPr>
+            <a:xfrm>
+              <a:off x="-3039750" y="-1224612"/>
+              <a:ext cx="18271500" cy="9307224"/>
+            </a:xfrm>
+            <a:prstGeom prst="rect">
+              <a:avLst/>
+            </a:prstGeom>
+          </p:spPr>
+        </p:pic>
+        <p:sp>
+          <p:nvSpPr>
+            <p:cNvPr id="9" name="직사각형 8"/>
+            <p:cNvSpPr/>
+            <p:nvPr/>
+          </p:nvSpPr>
+          <p:spPr>
+            <a:xfrm>
+              <a:off x="3632200" y="2276657"/>
+              <a:ext cx="4927600" cy="2295343"/>
+            </a:xfrm>
+            <a:prstGeom prst="rect">
+              <a:avLst/>
+            </a:prstGeom>
+            <a:noFill/>
+            <a:ln w="57150">
+              <a:solidFill>
+                <a:srgbClr val="FF0000"/>
+              </a:solidFill>
+            </a:ln>
+          </p:spPr>
+          <p:style>
+            <a:lnRef idx="2">
+              <a:schemeClr val="accent1">
+                <a:shade val="50000"/>
+              </a:schemeClr>
+            </a:lnRef>
+            <a:fillRef idx="1">
+              <a:schemeClr val="accent1"/>
+            </a:fillRef>
+            <a:effectRef idx="0">
+              <a:schemeClr val="accent1"/>
+            </a:effectRef>
+            <a:fontRef idx="minor">
+              <a:schemeClr val="lt1"/>
+            </a:fontRef>
+          </p:style>
+          <p:txBody>
+            <a:bodyPr rtlCol="0" anchor="ctr"/>
+            <a:lstStyle/>
+            <a:p>
+              <a:pPr algn="ctr"/>
+              <a:endParaRPr lang="ko-KR" altLang="en-US"/>
+            </a:p>
+          </p:txBody>
+        </p:sp>
+        <p:sp>
+          <p:nvSpPr>
+            <p:cNvPr id="10" name="직사각형 9"/>
+            <p:cNvSpPr/>
+            <p:nvPr/>
+          </p:nvSpPr>
+          <p:spPr>
+            <a:xfrm>
+              <a:off x="-2781300" y="711200"/>
+              <a:ext cx="3136900" cy="3175000"/>
+            </a:xfrm>
+            <a:prstGeom prst="rect">
+              <a:avLst/>
+            </a:prstGeom>
+            <a:noFill/>
+            <a:ln w="57150">
+              <a:solidFill>
+                <a:schemeClr val="accent2"/>
+              </a:solidFill>
+            </a:ln>
+          </p:spPr>
+          <p:style>
+            <a:lnRef idx="2">
+              <a:schemeClr val="accent1">
+                <a:shade val="50000"/>
+              </a:schemeClr>
+            </a:lnRef>
+            <a:fillRef idx="1">
+              <a:schemeClr val="accent1"/>
+            </a:fillRef>
+            <a:effectRef idx="0">
+              <a:schemeClr val="accent1"/>
+            </a:effectRef>
+            <a:fontRef idx="minor">
+              <a:schemeClr val="lt1"/>
+            </a:fontRef>
+          </p:style>
+          <p:txBody>
+            <a:bodyPr rtlCol="0" anchor="ctr"/>
+            <a:lstStyle/>
+            <a:p>
+              <a:pPr algn="ctr"/>
+              <a:endParaRPr lang="ko-KR" altLang="en-US"/>
+            </a:p>
+          </p:txBody>
+        </p:sp>
+        <p:sp>
+          <p:nvSpPr>
+            <p:cNvPr id="11" name="직사각형 10"/>
+            <p:cNvSpPr/>
+            <p:nvPr/>
+          </p:nvSpPr>
+          <p:spPr>
+            <a:xfrm>
+              <a:off x="-2628900" y="1757135"/>
+              <a:ext cx="2832100" cy="389165"/>
+            </a:xfrm>
+            <a:prstGeom prst="rect">
+              <a:avLst/>
+            </a:prstGeom>
+            <a:noFill/>
+            <a:ln w="57150">
+              <a:solidFill>
+                <a:srgbClr val="FFFF00"/>
+              </a:solidFill>
+            </a:ln>
+          </p:spPr>
+          <p:style>
+            <a:lnRef idx="2">
+              <a:schemeClr val="accent1">
+                <a:shade val="50000"/>
+              </a:schemeClr>
+            </a:lnRef>
+            <a:fillRef idx="1">
+              <a:schemeClr val="accent1"/>
+            </a:fillRef>
+            <a:effectRef idx="0">
+              <a:schemeClr val="accent1"/>
+            </a:effectRef>
+            <a:fontRef idx="minor">
+              <a:schemeClr val="lt1"/>
+            </a:fontRef>
+          </p:style>
+          <p:txBody>
+            <a:bodyPr rtlCol="0" anchor="ctr"/>
+            <a:lstStyle/>
+            <a:p>
+              <a:pPr algn="ctr"/>
+              <a:endParaRPr lang="ko-KR" altLang="en-US"/>
+            </a:p>
+          </p:txBody>
+        </p:sp>
+        <p:grpSp>
+          <p:nvGrpSpPr>
+            <p:cNvPr id="24" name="그룹 23"/>
+            <p:cNvGrpSpPr/>
+            <p:nvPr/>
+          </p:nvGrpSpPr>
+          <p:grpSpPr>
+            <a:xfrm>
+              <a:off x="12192000" y="7430441"/>
+              <a:ext cx="2869661" cy="446455"/>
+              <a:chOff x="12192000" y="54157"/>
+              <a:chExt cx="3020360" cy="469900"/>
+            </a:xfrm>
+          </p:grpSpPr>
+          <p:sp>
+            <p:nvSpPr>
+              <p:cNvPr id="12" name="직사각형 11"/>
+              <p:cNvSpPr/>
+              <p:nvPr/>
+            </p:nvSpPr>
+            <p:spPr>
+              <a:xfrm>
+                <a:off x="12192000" y="54157"/>
+                <a:ext cx="450850" cy="469900"/>
+              </a:xfrm>
+              <a:prstGeom prst="rect">
+                <a:avLst/>
+              </a:prstGeom>
+              <a:solidFill>
+                <a:schemeClr val="bg1"/>
+              </a:solidFill>
+              <a:ln w="57150">
+                <a:solidFill>
+                  <a:srgbClr val="FF0000"/>
+                </a:solidFill>
+              </a:ln>
+            </p:spPr>
+            <p:style>
+              <a:lnRef idx="2">
+                <a:schemeClr val="accent1">
+                  <a:shade val="50000"/>
+                </a:schemeClr>
+              </a:lnRef>
+              <a:fillRef idx="1">
+                <a:schemeClr val="accent1"/>
+              </a:fillRef>
+              <a:effectRef idx="0">
+                <a:schemeClr val="accent1"/>
+              </a:effectRef>
+              <a:fontRef idx="minor">
+                <a:schemeClr val="lt1"/>
+              </a:fontRef>
+            </p:style>
+            <p:txBody>
+              <a:bodyPr rtlCol="0" anchor="ctr"/>
+              <a:lstStyle/>
+              <a:p>
+                <a:pPr algn="ctr"/>
+                <a:endParaRPr lang="ko-KR" altLang="en-US" sz="1600"/>
+              </a:p>
+            </p:txBody>
+          </p:sp>
+          <p:sp>
+            <p:nvSpPr>
+              <p:cNvPr id="18" name="TextBox 17"/>
+              <p:cNvSpPr txBox="1"/>
+              <p:nvPr/>
+            </p:nvSpPr>
+            <p:spPr>
+              <a:xfrm>
+                <a:off x="12779103" y="108780"/>
+                <a:ext cx="2433257" cy="356333"/>
+              </a:xfrm>
+              <a:prstGeom prst="rect">
+                <a:avLst/>
+              </a:prstGeom>
+              <a:noFill/>
+            </p:spPr>
+            <p:txBody>
+              <a:bodyPr wrap="none" rtlCol="0">
+                <a:spAutoFit/>
+              </a:bodyPr>
+              <a:lstStyle/>
+              <a:p>
+                <a:r>
+                  <a:rPr lang="en-US" altLang="ko-KR" sz="1600" dirty="0" smtClean="0"/>
+                  <a:t>Branch Checkout Form</a:t>
+                </a:r>
+                <a:endParaRPr lang="ko-KR" altLang="en-US" sz="1600" dirty="0"/>
+              </a:p>
+            </p:txBody>
+          </p:sp>
+        </p:grpSp>
+      </p:grpSp>
+    </p:spTree>
+    <p:extLst>
+      <p:ext uri="{BB962C8B-B14F-4D97-AF65-F5344CB8AC3E}">
+        <p14:creationId xmlns:p14="http://schemas.microsoft.com/office/powerpoint/2010/main" val="5231428"/>
+      </p:ext>
+    </p:extLst>
+  </p:cSld>
+  <p:clrMapOvr>
+    <a:masterClrMapping/>
+  </p:clrMapOvr>
+  <p:timing>
+    <p:tnLst>
+      <p:par>
+        <p:cTn id="1" dur="indefinite" restart="never" nodeType="tmRoot"/>
+      </p:par>
+    </p:tnLst>
+  </p:timing>
 </p:sld>
 </file>
 
